--- a/Социология/ОСНОВНЫЕ БЕЛОРУССКИЕ ОРГАНИЗАЦИИ ПО ИЗУЧЕНИЮ ОБЩЕСТВЕННОГО МНЕНИЯ И.pptx
+++ b/Социология/ОСНОВНЫЕ БЕЛОРУССКИЕ ОРГАНИЗАЦИИ ПО ИЗУЧЕНИЮ ОБЩЕСТВЕННОГО МНЕНИЯ И.pptx
@@ -26181,40 +26181,6 @@
           </a:p>
         </p:txBody>
       </p:sp>
-      <p:sp>
-        <p:nvSpPr>
-          <p:cNvPr id="4" name="Дата 3">
-            <a:extLst>
-              <a:ext uri="{FF2B5EF4-FFF2-40B4-BE49-F238E27FC236}">
-                <a16:creationId xmlns:a16="http://schemas.microsoft.com/office/drawing/2014/main" id="{13F8C8B5-F6EC-489B-BD0F-CD89A73CAB3A}"/>
-              </a:ext>
-            </a:extLst>
-          </p:cNvPr>
-          <p:cNvSpPr>
-            <a:spLocks noGrp="1"/>
-          </p:cNvSpPr>
-          <p:nvPr>
-            <p:ph type="dt" sz="half" idx="10"/>
-          </p:nvPr>
-        </p:nvSpPr>
-        <p:spPr>
-          <a:xfrm>
-            <a:off x="838200" y="6356350"/>
-            <a:ext cx="2743200" cy="365125"/>
-          </a:xfrm>
-        </p:spPr>
-        <p:txBody>
-          <a:bodyPr rtlCol="0"/>
-          <a:lstStyle/>
-          <a:p>
-            <a:pPr rtl="0"/>
-            <a:r>
-              <a:rPr lang="ru-RU"/>
-              <a:t>20ГГ</a:t>
-            </a:r>
-          </a:p>
-        </p:txBody>
-      </p:sp>
     </p:spTree>
     <p:extLst>
       <p:ext uri="{BB962C8B-B14F-4D97-AF65-F5344CB8AC3E}">
@@ -28124,6 +28090,15 @@
 </file>
 
 <file path=customXml/item1.xml><?xml version="1.0" encoding="utf-8"?>
+<?mso-contentType ?>
+<FormTemplates xmlns="http://schemas.microsoft.com/sharepoint/v3/contenttype/forms">
+  <Display>DocumentLibraryForm</Display>
+  <Edit>DocumentLibraryForm</Edit>
+  <New>DocumentLibraryForm</New>
+</FormTemplates>
+</file>
+
+<file path=customXml/item2.xml><?xml version="1.0" encoding="utf-8"?>
 <ct:contentTypeSchema xmlns:ct="http://schemas.microsoft.com/office/2006/metadata/contentType" xmlns:ma="http://schemas.microsoft.com/office/2006/metadata/properties/metaAttributes" ct:_="" ma:_="" ma:contentTypeName="Document" ma:contentTypeID="0x01010079F111ED35F8CC479449609E8A0923A6" ma:contentTypeVersion="20" ma:contentTypeDescription="Create a new document." ma:contentTypeScope="" ma:versionID="1267097ee5f5874adfcc408041ae252e">
   <xsd:schema xmlns:xsd="http://www.w3.org/2001/XMLSchema" xmlns:xs="http://www.w3.org/2001/XMLSchema" xmlns:p="http://schemas.microsoft.com/office/2006/metadata/properties" xmlns:ns1="http://schemas.microsoft.com/sharepoint/v3" xmlns:ns2="71af3243-3dd4-4a8d-8c0d-dd76da1f02a5" xmlns:ns3="16c05727-aa75-4e4a-9b5f-8a80a1165891" xmlns:ns4="230e9df3-be65-4c73-a93b-d1236ebd677e" targetNamespace="http://schemas.microsoft.com/office/2006/metadata/properties" ma:root="true" ma:fieldsID="395891a93df65b14727750f2c06c306c" ns1:_="" ns2:_="" ns3:_="" ns4:_="">
     <xsd:import namespace="http://schemas.microsoft.com/sharepoint/v3"/>
@@ -28399,15 +28374,6 @@
 </ct:contentTypeSchema>
 </file>
 
-<file path=customXml/item2.xml><?xml version="1.0" encoding="utf-8"?>
-<?mso-contentType ?>
-<FormTemplates xmlns="http://schemas.microsoft.com/sharepoint/v3/contenttype/forms">
-  <Display>DocumentLibraryForm</Display>
-  <Edit>DocumentLibraryForm</Edit>
-  <New>DocumentLibraryForm</New>
-</FormTemplates>
-</file>
-
 <file path=customXml/item3.xml><?xml version="1.0" encoding="utf-8"?>
 <p:properties xmlns:p="http://schemas.microsoft.com/office/2006/metadata/properties" xmlns:xsi="http://www.w3.org/2001/XMLSchema-instance" xmlns:pc="http://schemas.microsoft.com/office/infopath/2007/PartnerControls">
   <documentManagement>
@@ -28428,6 +28394,14 @@
 </file>
 
 <file path=customXml/itemProps1.xml><?xml version="1.0" encoding="utf-8"?>
+<ds:datastoreItem xmlns:ds="http://schemas.openxmlformats.org/officeDocument/2006/customXml" ds:itemID="{2D446390-8521-40A2-A462-EA068123BED9}">
+  <ds:schemaRefs>
+    <ds:schemaRef ds:uri="http://schemas.microsoft.com/sharepoint/v3/contenttype/forms"/>
+  </ds:schemaRefs>
+</ds:datastoreItem>
+</file>
+
+<file path=customXml/itemProps2.xml><?xml version="1.0" encoding="utf-8"?>
 <ds:datastoreItem xmlns:ds="http://schemas.openxmlformats.org/officeDocument/2006/customXml" ds:itemID="{01E84A1C-2814-43A7-9448-348326113A45}">
   <ds:schemaRefs>
     <ds:schemaRef ds:uri="http://schemas.microsoft.com/office/2006/metadata/contentType"/>
@@ -28444,14 +28418,6 @@
     <ds:schemaRef ds:uri="http://purl.org/dc/elements/1.1/"/>
     <ds:schemaRef ds:uri="http://purl.org/dc/terms/"/>
     <ds:schemaRef ds:uri="http://schemas.microsoft.com/internal/obd"/>
-  </ds:schemaRefs>
-</ds:datastoreItem>
-</file>
-
-<file path=customXml/itemProps2.xml><?xml version="1.0" encoding="utf-8"?>
-<ds:datastoreItem xmlns:ds="http://schemas.openxmlformats.org/officeDocument/2006/customXml" ds:itemID="{2D446390-8521-40A2-A462-EA068123BED9}">
-  <ds:schemaRefs>
-    <ds:schemaRef ds:uri="http://schemas.microsoft.com/sharepoint/v3/contenttype/forms"/>
   </ds:schemaRefs>
 </ds:datastoreItem>
 </file>
